--- a/resources/class_lectures/week_10_OLAP_Operations/OLAP_Operations_in_DBMS.pptx
+++ b/resources/class_lectures/week_10_OLAP_Operations/OLAP_Operations_in_DBMS.pptx
@@ -5,8 +5,8 @@
     <p:sldMasterId id="2147483648" r:id="rId1"/>
   </p:sldMasterIdLst>
   <p:sldIdLst>
-    <p:sldId id="256" r:id="rId2"/>
-    <p:sldId id="257" r:id="rId3"/>
+    <p:sldId id="257" r:id="rId2"/>
+    <p:sldId id="366" r:id="rId3"/>
     <p:sldId id="342" r:id="rId4"/>
     <p:sldId id="343" r:id="rId5"/>
     <p:sldId id="344" r:id="rId6"/>
@@ -299,7 +299,7 @@
           <a:p>
             <a:fld id="{8190DC66-0DC4-6B46-92E4-9E2776EB5C2C}" type="datetimeFigureOut">
               <a:rPr lang="en-US" smtClean="0"/>
-              <a:t>2/16/24</a:t>
+              <a:t>5/30/24</a:t>
             </a:fld>
             <a:endParaRPr lang="en-US"/>
           </a:p>
@@ -497,7 +497,7 @@
           <a:p>
             <a:fld id="{8190DC66-0DC4-6B46-92E4-9E2776EB5C2C}" type="datetimeFigureOut">
               <a:rPr lang="en-US" smtClean="0"/>
-              <a:t>2/16/24</a:t>
+              <a:t>5/30/24</a:t>
             </a:fld>
             <a:endParaRPr lang="en-US"/>
           </a:p>
@@ -705,7 +705,7 @@
           <a:p>
             <a:fld id="{8190DC66-0DC4-6B46-92E4-9E2776EB5C2C}" type="datetimeFigureOut">
               <a:rPr lang="en-US" smtClean="0"/>
-              <a:t>2/16/24</a:t>
+              <a:t>5/30/24</a:t>
             </a:fld>
             <a:endParaRPr lang="en-US"/>
           </a:p>
@@ -903,7 +903,7 @@
           <a:p>
             <a:fld id="{8190DC66-0DC4-6B46-92E4-9E2776EB5C2C}" type="datetimeFigureOut">
               <a:rPr lang="en-US" smtClean="0"/>
-              <a:t>2/16/24</a:t>
+              <a:t>5/30/24</a:t>
             </a:fld>
             <a:endParaRPr lang="en-US"/>
           </a:p>
@@ -1178,7 +1178,7 @@
           <a:p>
             <a:fld id="{8190DC66-0DC4-6B46-92E4-9E2776EB5C2C}" type="datetimeFigureOut">
               <a:rPr lang="en-US" smtClean="0"/>
-              <a:t>2/16/24</a:t>
+              <a:t>5/30/24</a:t>
             </a:fld>
             <a:endParaRPr lang="en-US"/>
           </a:p>
@@ -1443,7 +1443,7 @@
           <a:p>
             <a:fld id="{8190DC66-0DC4-6B46-92E4-9E2776EB5C2C}" type="datetimeFigureOut">
               <a:rPr lang="en-US" smtClean="0"/>
-              <a:t>2/16/24</a:t>
+              <a:t>5/30/24</a:t>
             </a:fld>
             <a:endParaRPr lang="en-US"/>
           </a:p>
@@ -1855,7 +1855,7 @@
           <a:p>
             <a:fld id="{8190DC66-0DC4-6B46-92E4-9E2776EB5C2C}" type="datetimeFigureOut">
               <a:rPr lang="en-US" smtClean="0"/>
-              <a:t>2/16/24</a:t>
+              <a:t>5/30/24</a:t>
             </a:fld>
             <a:endParaRPr lang="en-US"/>
           </a:p>
@@ -1996,7 +1996,7 @@
           <a:p>
             <a:fld id="{8190DC66-0DC4-6B46-92E4-9E2776EB5C2C}" type="datetimeFigureOut">
               <a:rPr lang="en-US" smtClean="0"/>
-              <a:t>2/16/24</a:t>
+              <a:t>5/30/24</a:t>
             </a:fld>
             <a:endParaRPr lang="en-US"/>
           </a:p>
@@ -2109,7 +2109,7 @@
           <a:p>
             <a:fld id="{8190DC66-0DC4-6B46-92E4-9E2776EB5C2C}" type="datetimeFigureOut">
               <a:rPr lang="en-US" smtClean="0"/>
-              <a:t>2/16/24</a:t>
+              <a:t>5/30/24</a:t>
             </a:fld>
             <a:endParaRPr lang="en-US"/>
           </a:p>
@@ -2420,7 +2420,7 @@
           <a:p>
             <a:fld id="{8190DC66-0DC4-6B46-92E4-9E2776EB5C2C}" type="datetimeFigureOut">
               <a:rPr lang="en-US" smtClean="0"/>
-              <a:t>2/16/24</a:t>
+              <a:t>5/30/24</a:t>
             </a:fld>
             <a:endParaRPr lang="en-US"/>
           </a:p>
@@ -2708,7 +2708,7 @@
           <a:p>
             <a:fld id="{8190DC66-0DC4-6B46-92E4-9E2776EB5C2C}" type="datetimeFigureOut">
               <a:rPr lang="en-US" smtClean="0"/>
-              <a:t>2/16/24</a:t>
+              <a:t>5/30/24</a:t>
             </a:fld>
             <a:endParaRPr lang="en-US"/>
           </a:p>
@@ -2949,7 +2949,7 @@
           <a:p>
             <a:fld id="{8190DC66-0DC4-6B46-92E4-9E2776EB5C2C}" type="datetimeFigureOut">
               <a:rPr lang="en-US" smtClean="0"/>
-              <a:t>2/16/24</a:t>
+              <a:t>5/30/24</a:t>
             </a:fld>
             <a:endParaRPr lang="en-US"/>
           </a:p>
@@ -3371,7 +3371,7 @@
           <p:cNvPr id="2" name="Title 1">
             <a:extLst>
               <a:ext uri="{FF2B5EF4-FFF2-40B4-BE49-F238E27FC236}">
-                <a16:creationId xmlns:a16="http://schemas.microsoft.com/office/drawing/2014/main" id="{36E881D0-0B8E-DD85-3C9B-91675E090EEF}"/>
+                <a16:creationId xmlns:a16="http://schemas.microsoft.com/office/drawing/2014/main" id="{55C86B31-00D3-FC72-ECFF-0914451B25C6}"/>
               </a:ext>
             </a:extLst>
           </p:cNvPr>
@@ -3379,13 +3379,13 @@
             <a:spLocks noGrp="1"/>
           </p:cNvSpPr>
           <p:nvPr>
-            <p:ph type="ctrTitle"/>
+            <p:ph type="title"/>
           </p:nvPr>
         </p:nvSpPr>
         <p:spPr>
           <a:xfrm>
-            <a:off x="1524000" y="1122362"/>
-            <a:ext cx="9144000" cy="3617803"/>
+            <a:off x="838200" y="620110"/>
+            <a:ext cx="10515600" cy="2127743"/>
           </a:xfrm>
         </p:spPr>
         <p:txBody>
@@ -3395,7 +3395,7 @@
           <a:lstStyle/>
           <a:p>
             <a:r>
-              <a:rPr lang="en-US" sz="7200" dirty="0">
+              <a:rPr lang="en-US" sz="5400" b="1" dirty="0">
                 <a:highlight>
                   <a:srgbClr val="00FF00"/>
                 </a:highlight>
@@ -3403,39 +3403,65 @@
               <a:t>OLAP</a:t>
             </a:r>
             <a:r>
-              <a:rPr lang="en-US" dirty="0"/>
+              <a:rPr lang="en-US" dirty="0">
+                <a:highlight>
+                  <a:srgbClr val="00FF00"/>
+                </a:highlight>
+              </a:rPr>
               <a:t> </a:t>
             </a:r>
+            <a:r>
+              <a:rPr lang="en-US" b="1" dirty="0">
+                <a:highlight>
+                  <a:srgbClr val="00FF00"/>
+                </a:highlight>
+              </a:rPr>
+              <a:t>Operations</a:t>
+            </a:r>
             <a:br>
-              <a:rPr lang="en-US" dirty="0"/>
+              <a:rPr lang="en-US" dirty="0">
+                <a:highlight>
+                  <a:srgbClr val="00FF00"/>
+                </a:highlight>
+              </a:rPr>
             </a:br>
             <a:r>
-              <a:rPr lang="en-US" dirty="0"/>
-              <a:t>Operations</a:t>
+              <a:rPr lang="en-US" dirty="0">
+                <a:highlight>
+                  <a:srgbClr val="00FF00"/>
+                </a:highlight>
+              </a:rPr>
+              <a:t>in </a:t>
             </a:r>
             <a:br>
-              <a:rPr lang="en-US" dirty="0"/>
+              <a:rPr lang="en-US" dirty="0">
+                <a:highlight>
+                  <a:srgbClr val="00FF00"/>
+                </a:highlight>
+              </a:rPr>
             </a:br>
             <a:r>
-              <a:rPr lang="en-US" dirty="0"/>
-              <a:t>in </a:t>
-            </a:r>
-            <a:br>
-              <a:rPr lang="en-US" dirty="0"/>
-            </a:br>
-            <a:r>
-              <a:rPr lang="en-US" dirty="0"/>
-              <a:t>DBMS</a:t>
-            </a:r>
+              <a:rPr lang="en-US" dirty="0">
+                <a:highlight>
+                  <a:srgbClr val="00FF00"/>
+                </a:highlight>
+              </a:rPr>
+              <a:t>DBMS and Data Warehouses</a:t>
+            </a:r>
+            <a:endParaRPr lang="en-US" b="1" dirty="0">
+              <a:highlight>
+                <a:srgbClr val="00FF00"/>
+              </a:highlight>
+            </a:endParaRPr>
           </a:p>
         </p:txBody>
       </p:sp>
       <p:sp>
         <p:nvSpPr>
-          <p:cNvPr id="3" name="Subtitle 2">
-            <a:extLst>
-              <a:ext uri="{FF2B5EF4-FFF2-40B4-BE49-F238E27FC236}">
-                <a16:creationId xmlns:a16="http://schemas.microsoft.com/office/drawing/2014/main" id="{AAB22F17-239E-1F95-91DC-BC06B5F78D64}"/>
+          <p:cNvPr id="3" name="Content Placeholder 2">
+            <a:extLst>
+              <a:ext uri="{FF2B5EF4-FFF2-40B4-BE49-F238E27FC236}">
+                <a16:creationId xmlns:a16="http://schemas.microsoft.com/office/drawing/2014/main" id="{A41ADA4A-4003-56D3-15CF-FDFDBB9514FE}"/>
               </a:ext>
             </a:extLst>
           </p:cNvPr>
@@ -3443,27 +3469,50 @@
             <a:spLocks noGrp="1"/>
           </p:cNvSpPr>
           <p:nvPr>
-            <p:ph type="subTitle" idx="1"/>
+            <p:ph idx="1"/>
           </p:nvPr>
         </p:nvSpPr>
         <p:spPr>
           <a:xfrm>
-            <a:off x="1524000" y="4834758"/>
-            <a:ext cx="9144000" cy="423041"/>
+            <a:off x="838200" y="3216165"/>
+            <a:ext cx="10515600" cy="1639615"/>
           </a:xfrm>
         </p:spPr>
         <p:txBody>
-          <a:bodyPr/>
+          <a:bodyPr>
+            <a:normAutofit/>
+          </a:bodyPr>
           <a:lstStyle/>
           <a:p>
-            <a:endParaRPr lang="en-US" dirty="0"/>
+            <a:pPr marL="0" indent="0">
+              <a:buNone/>
+            </a:pPr>
+            <a:r>
+              <a:rPr lang="en-US" sz="2000" dirty="0"/>
+              <a:t>prepared by: </a:t>
+            </a:r>
+            <a:br>
+              <a:rPr lang="en-US" sz="6600" dirty="0"/>
+            </a:br>
+            <a:r>
+              <a:rPr lang="en-US" sz="3200" dirty="0"/>
+              <a:t>Mahmoud Parsian</a:t>
+            </a:r>
+            <a:br>
+              <a:rPr lang="en-US" sz="3200" dirty="0"/>
+            </a:br>
+            <a:r>
+              <a:rPr lang="en-US" sz="2000" dirty="0"/>
+              <a:t>Ph.D in Computer Science</a:t>
+            </a:r>
+            <a:endParaRPr lang="en-US" sz="3200" dirty="0"/>
           </a:p>
         </p:txBody>
       </p:sp>
     </p:spTree>
     <p:extLst>
       <p:ext uri="{BB962C8B-B14F-4D97-AF65-F5344CB8AC3E}">
-        <p14:creationId xmlns:p14="http://schemas.microsoft.com/office/powerpoint/2010/main" val="3932927110"/>
+        <p14:creationId xmlns:p14="http://schemas.microsoft.com/office/powerpoint/2010/main" val="3878264659"/>
       </p:ext>
     </p:extLst>
   </p:cSld>
@@ -6599,7 +6648,7 @@
     </p:spTree>
     <p:extLst>
       <p:ext uri="{BB962C8B-B14F-4D97-AF65-F5344CB8AC3E}">
-        <p14:creationId xmlns:p14="http://schemas.microsoft.com/office/powerpoint/2010/main" val="3878264659"/>
+        <p14:creationId xmlns:p14="http://schemas.microsoft.com/office/powerpoint/2010/main" val="3975888133"/>
       </p:ext>
     </p:extLst>
   </p:cSld>
